--- a/Projects Graphics and Benchmarks.pptx
+++ b/Projects Graphics and Benchmarks.pptx
@@ -253,7 +253,7 @@
           <a:p>
             <a:fld id="{3191CEA7-AF9D-423A-8A0F-BABBDD72FD1D}" type="datetimeFigureOut">
               <a:rPr lang="en-GB" smtClean="0"/>
-              <a:t>31/12/2020</a:t>
+              <a:t>05/01/2021</a:t>
             </a:fld>
             <a:endParaRPr lang="en-GB"/>
           </a:p>
@@ -423,7 +423,7 @@
           <a:p>
             <a:fld id="{3191CEA7-AF9D-423A-8A0F-BABBDD72FD1D}" type="datetimeFigureOut">
               <a:rPr lang="en-GB" smtClean="0"/>
-              <a:t>31/12/2020</a:t>
+              <a:t>05/01/2021</a:t>
             </a:fld>
             <a:endParaRPr lang="en-GB"/>
           </a:p>
@@ -603,7 +603,7 @@
           <a:p>
             <a:fld id="{3191CEA7-AF9D-423A-8A0F-BABBDD72FD1D}" type="datetimeFigureOut">
               <a:rPr lang="en-GB" smtClean="0"/>
-              <a:t>31/12/2020</a:t>
+              <a:t>05/01/2021</a:t>
             </a:fld>
             <a:endParaRPr lang="en-GB"/>
           </a:p>
@@ -773,7 +773,7 @@
           <a:p>
             <a:fld id="{3191CEA7-AF9D-423A-8A0F-BABBDD72FD1D}" type="datetimeFigureOut">
               <a:rPr lang="en-GB" smtClean="0"/>
-              <a:t>31/12/2020</a:t>
+              <a:t>05/01/2021</a:t>
             </a:fld>
             <a:endParaRPr lang="en-GB"/>
           </a:p>
@@ -1019,7 +1019,7 @@
           <a:p>
             <a:fld id="{3191CEA7-AF9D-423A-8A0F-BABBDD72FD1D}" type="datetimeFigureOut">
               <a:rPr lang="en-GB" smtClean="0"/>
-              <a:t>31/12/2020</a:t>
+              <a:t>05/01/2021</a:t>
             </a:fld>
             <a:endParaRPr lang="en-GB"/>
           </a:p>
@@ -1251,7 +1251,7 @@
           <a:p>
             <a:fld id="{3191CEA7-AF9D-423A-8A0F-BABBDD72FD1D}" type="datetimeFigureOut">
               <a:rPr lang="en-GB" smtClean="0"/>
-              <a:t>31/12/2020</a:t>
+              <a:t>05/01/2021</a:t>
             </a:fld>
             <a:endParaRPr lang="en-GB"/>
           </a:p>
@@ -1618,7 +1618,7 @@
           <a:p>
             <a:fld id="{3191CEA7-AF9D-423A-8A0F-BABBDD72FD1D}" type="datetimeFigureOut">
               <a:rPr lang="en-GB" smtClean="0"/>
-              <a:t>31/12/2020</a:t>
+              <a:t>05/01/2021</a:t>
             </a:fld>
             <a:endParaRPr lang="en-GB"/>
           </a:p>
@@ -1736,7 +1736,7 @@
           <a:p>
             <a:fld id="{3191CEA7-AF9D-423A-8A0F-BABBDD72FD1D}" type="datetimeFigureOut">
               <a:rPr lang="en-GB" smtClean="0"/>
-              <a:t>31/12/2020</a:t>
+              <a:t>05/01/2021</a:t>
             </a:fld>
             <a:endParaRPr lang="en-GB"/>
           </a:p>
@@ -1831,7 +1831,7 @@
           <a:p>
             <a:fld id="{3191CEA7-AF9D-423A-8A0F-BABBDD72FD1D}" type="datetimeFigureOut">
               <a:rPr lang="en-GB" smtClean="0"/>
-              <a:t>31/12/2020</a:t>
+              <a:t>05/01/2021</a:t>
             </a:fld>
             <a:endParaRPr lang="en-GB"/>
           </a:p>
@@ -2108,7 +2108,7 @@
           <a:p>
             <a:fld id="{3191CEA7-AF9D-423A-8A0F-BABBDD72FD1D}" type="datetimeFigureOut">
               <a:rPr lang="en-GB" smtClean="0"/>
-              <a:t>31/12/2020</a:t>
+              <a:t>05/01/2021</a:t>
             </a:fld>
             <a:endParaRPr lang="en-GB"/>
           </a:p>
@@ -2361,7 +2361,7 @@
           <a:p>
             <a:fld id="{3191CEA7-AF9D-423A-8A0F-BABBDD72FD1D}" type="datetimeFigureOut">
               <a:rPr lang="en-GB" smtClean="0"/>
-              <a:t>31/12/2020</a:t>
+              <a:t>05/01/2021</a:t>
             </a:fld>
             <a:endParaRPr lang="en-GB"/>
           </a:p>
@@ -2604,7 +2604,7 @@
           <a:p>
             <a:fld id="{3191CEA7-AF9D-423A-8A0F-BABBDD72FD1D}" type="datetimeFigureOut">
               <a:rPr lang="en-GB" smtClean="0"/>
-              <a:t>31/12/2020</a:t>
+              <a:t>05/01/2021</a:t>
             </a:fld>
             <a:endParaRPr lang="en-GB"/>
           </a:p>
@@ -3128,7 +3128,15 @@
           <a:p>
             <a:r>
               <a:rPr lang="en-GB" dirty="0" smtClean="0"/>
-              <a:t>Information Page on Website</a:t>
+              <a:t>Information </a:t>
+            </a:r>
+            <a:r>
+              <a:rPr lang="en-GB" dirty="0" smtClean="0"/>
+              <a:t>Tab </a:t>
+            </a:r>
+            <a:r>
+              <a:rPr lang="en-GB" dirty="0" smtClean="0"/>
+              <a:t>on Website</a:t>
             </a:r>
             <a:endParaRPr lang="en-GB" dirty="0"/>
           </a:p>
@@ -3521,7 +3529,11 @@
             <a:pPr lvl="1"/>
             <a:r>
               <a:rPr lang="en-GB" dirty="0"/>
-              <a:t>When someone is detected in the room and the time is before 8am or after 5pm then the lamp is automatically turned on. </a:t>
+              <a:t>When someone is detected in the room and the time is before 8am or after 5pm then the lamp is automatically turned </a:t>
+            </a:r>
+            <a:r>
+              <a:rPr lang="en-GB" dirty="0" smtClean="0"/>
+              <a:t>on, otherwise it’s turned off.</a:t>
             </a:r>
             <a:endParaRPr lang="en-GB" dirty="0" smtClean="0"/>
           </a:p>
@@ -3539,7 +3551,15 @@
             </a:r>
             <a:r>
               <a:rPr lang="en-GB" dirty="0"/>
-              <a:t>site which would show who is in the room at any point and the current </a:t>
+              <a:t>site </a:t>
+            </a:r>
+            <a:r>
+              <a:rPr lang="en-GB" dirty="0" smtClean="0"/>
+              <a:t>will show </a:t>
+            </a:r>
+            <a:r>
+              <a:rPr lang="en-GB" dirty="0"/>
+              <a:t>who is in the room at any point and the current </a:t>
             </a:r>
             <a:r>
               <a:rPr lang="en-GB" dirty="0" smtClean="0"/>
@@ -4511,7 +4531,7 @@
         <p:spPr>
           <a:xfrm>
             <a:off x="2685919" y="2997901"/>
-            <a:ext cx="608299" cy="400110"/>
+            <a:ext cx="608299" cy="553998"/>
           </a:xfrm>
           <a:prstGeom prst="rect">
             <a:avLst/>
@@ -4526,7 +4546,11 @@
           <a:p>
             <a:r>
               <a:rPr lang="en-GB" sz="1000" dirty="0" smtClean="0"/>
-              <a:t>Video Request</a:t>
+              <a:t>Video </a:t>
+            </a:r>
+            <a:r>
+              <a:rPr lang="en-GB" sz="1000" dirty="0" smtClean="0"/>
+              <a:t>Record Trigger</a:t>
             </a:r>
             <a:endParaRPr lang="en-GB" sz="1000" dirty="0"/>
           </a:p>
@@ -4568,7 +4592,7 @@
           <a:lstStyle/>
           <a:p>
             <a:pPr algn="ctr"/>
-            <a:endParaRPr lang="en-GB"/>
+            <a:endParaRPr lang="en-GB" dirty="0"/>
           </a:p>
         </p:txBody>
       </p:sp>
@@ -4803,6 +4827,66 @@
                 <a:srgbClr val="0070C0"/>
               </a:solidFill>
             </a:endParaRPr>
+          </a:p>
+        </p:txBody>
+      </p:sp>
+      <p:sp>
+        <p:nvSpPr>
+          <p:cNvPr id="2" name="TextBox 1"/>
+          <p:cNvSpPr txBox="1"/>
+          <p:nvPr/>
+        </p:nvSpPr>
+        <p:spPr>
+          <a:xfrm>
+            <a:off x="10116207" y="4389195"/>
+            <a:ext cx="618824" cy="246221"/>
+          </a:xfrm>
+          <a:prstGeom prst="rect">
+            <a:avLst/>
+          </a:prstGeom>
+          <a:noFill/>
+        </p:spPr>
+        <p:txBody>
+          <a:bodyPr wrap="square" rtlCol="0">
+            <a:spAutoFit/>
+          </a:bodyPr>
+          <a:lstStyle/>
+          <a:p>
+            <a:r>
+              <a:rPr lang="en-GB" sz="1000" dirty="0" smtClean="0"/>
+              <a:t>On/off</a:t>
+            </a:r>
+            <a:endParaRPr lang="en-GB" sz="1000" dirty="0"/>
+          </a:p>
+        </p:txBody>
+      </p:sp>
+      <p:sp>
+        <p:nvSpPr>
+          <p:cNvPr id="40" name="TextBox 39"/>
+          <p:cNvSpPr txBox="1"/>
+          <p:nvPr/>
+        </p:nvSpPr>
+        <p:spPr>
+          <a:xfrm>
+            <a:off x="10103253" y="5624237"/>
+            <a:ext cx="618824" cy="246221"/>
+          </a:xfrm>
+          <a:prstGeom prst="rect">
+            <a:avLst/>
+          </a:prstGeom>
+          <a:noFill/>
+        </p:spPr>
+        <p:txBody>
+          <a:bodyPr wrap="square" rtlCol="0">
+            <a:spAutoFit/>
+          </a:bodyPr>
+          <a:lstStyle/>
+          <a:p>
+            <a:r>
+              <a:rPr lang="en-GB" sz="1000" dirty="0" smtClean="0"/>
+              <a:t>On/off</a:t>
+            </a:r>
+            <a:endParaRPr lang="en-GB" sz="1000" dirty="0"/>
           </a:p>
         </p:txBody>
       </p:sp>
@@ -4876,9 +4960,16 @@
             <p:ph idx="1"/>
           </p:nvPr>
         </p:nvSpPr>
-        <p:spPr/>
-        <p:txBody>
-          <a:bodyPr/>
+        <p:spPr>
+          <a:xfrm>
+            <a:off x="838200" y="1825624"/>
+            <a:ext cx="10515600" cy="4549049"/>
+          </a:xfrm>
+        </p:spPr>
+        <p:txBody>
+          <a:bodyPr>
+            <a:normAutofit lnSpcReduction="10000"/>
+          </a:bodyPr>
           <a:lstStyle/>
           <a:p>
             <a:pPr lvl="4"/>
@@ -4928,8 +5019,13 @@
             </a:pPr>
             <a:r>
               <a:rPr lang="en-GB" dirty="0" smtClean="0"/>
-              <a:t>If Child is in room and Adult has not been in room for 3 min, and a video has not been taken for 3 minutes then a 5 second video is taken and stored on Firebase Storage. Entries are also added to the Firebase Realtime Database</a:t>
-            </a:r>
+              <a:t>If Child is in room and Adult has not been in room for 3 min, and a video has not been taken for 3 minutes then a 5 second video is taken and stored on Firebase Storage. </a:t>
+            </a:r>
+            <a:r>
+              <a:rPr lang="en-GB" dirty="0" smtClean="0"/>
+              <a:t>Entries are also added to the Firebase Realtime Database</a:t>
+            </a:r>
+            <a:endParaRPr lang="en-GB" dirty="0" smtClean="0"/>
           </a:p>
           <a:p>
             <a:pPr marL="2628900" lvl="5" indent="-342900">
@@ -4948,7 +5044,21 @@
             </a:pPr>
             <a:r>
               <a:rPr lang="en-GB" dirty="0" smtClean="0"/>
-              <a:t>The last taken video will be available to view on the Blynk app and also on a Node.js website.</a:t>
+              <a:t>The last taken video will be available to view on the Blynk app and also on a Node.js website</a:t>
+            </a:r>
+            <a:r>
+              <a:rPr lang="en-GB" dirty="0" smtClean="0"/>
+              <a:t>.</a:t>
+            </a:r>
+          </a:p>
+          <a:p>
+            <a:pPr marL="2628900" lvl="5" indent="-342900">
+              <a:buFont typeface="+mj-lt"/>
+              <a:buAutoNum type="arabicPeriod"/>
+            </a:pPr>
+            <a:r>
+              <a:rPr lang="en-GB" dirty="0" smtClean="0"/>
+              <a:t>Every 30 seconds temperature data, who is present, fan and light triggers and last video URL is send to Thingspeak via HTTP API call</a:t>
             </a:r>
             <a:endParaRPr lang="en-GB" dirty="0"/>
           </a:p>
@@ -5227,8 +5337,13 @@
             </a:pPr>
             <a:r>
               <a:rPr lang="en-GB" dirty="0" smtClean="0"/>
-              <a:t>5 Reacts have been set up in Thingspeak.</a:t>
-            </a:r>
+              <a:t>5 Reacts have been set up in </a:t>
+            </a:r>
+            <a:r>
+              <a:rPr lang="en-GB" dirty="0" smtClean="0"/>
+              <a:t>Thingspeak to use this data.</a:t>
+            </a:r>
+            <a:endParaRPr lang="en-GB" dirty="0" smtClean="0"/>
           </a:p>
           <a:p>
             <a:pPr marL="3086100" lvl="6" indent="-342900">
@@ -5867,7 +5982,35 @@
             </a:pPr>
             <a:r>
               <a:rPr lang="en-GB" dirty="0" smtClean="0"/>
-              <a:t>Data is retrieved for the Dashboard from Thingspeak using a API call retrieving data into a JSON object. This data is passed down to the handlebars view from the Dashboard controller. This data includes:</a:t>
+              <a:t>Data </a:t>
+            </a:r>
+            <a:r>
+              <a:rPr lang="en-GB" dirty="0" smtClean="0"/>
+              <a:t>for </a:t>
+            </a:r>
+            <a:r>
+              <a:rPr lang="en-GB" dirty="0" smtClean="0"/>
+              <a:t>the Dashboard </a:t>
+            </a:r>
+            <a:r>
+              <a:rPr lang="en-GB" dirty="0" smtClean="0"/>
+              <a:t>is retrieved from </a:t>
+            </a:r>
+            <a:r>
+              <a:rPr lang="en-GB" dirty="0" smtClean="0"/>
+              <a:t>Thingspeak using a API call </a:t>
+            </a:r>
+            <a:r>
+              <a:rPr lang="en-GB" dirty="0" smtClean="0"/>
+              <a:t>resulting in data</a:t>
+            </a:r>
+            <a:r>
+              <a:rPr lang="en-GB" dirty="0" smtClean="0"/>
+              <a:t> in </a:t>
+            </a:r>
+            <a:r>
+              <a:rPr lang="en-GB" dirty="0" smtClean="0"/>
+              <a:t>a JSON object. This data is passed down to the handlebars view from the Dashboard controller. This data includes:</a:t>
             </a:r>
           </a:p>
           <a:p>
@@ -6020,7 +6163,7 @@
           </a:bodyPr>
           <a:lstStyle/>
           <a:p>
-            <a:endParaRPr lang="en-GB"/>
+            <a:endParaRPr lang="en-GB" dirty="0"/>
           </a:p>
         </p:txBody>
       </p:sp>
@@ -6059,7 +6202,7 @@
           </a:bodyPr>
           <a:lstStyle/>
           <a:p>
-            <a:endParaRPr lang="en-GB"/>
+            <a:endParaRPr lang="en-GB" dirty="0"/>
           </a:p>
         </p:txBody>
       </p:sp>
